--- a/stellar_shortresaved042118.pptx
+++ b/stellar_shortresaved042118.pptx
@@ -19,7 +19,7 @@
     <p:sldId id="263" r:id="rId10"/>
   </p:sldIdLst>
   <p:sldSz cx="9144000" cy="6858000" type="screen4x3"/>
-  <p:notesSz cx="6858000" cy="9144000"/>
+  <p:notesSz cx="6950075" cy="9236075"/>
   <p:defaultTextStyle>
     <a:defPPr>
       <a:defRPr lang="en-US"/>
@@ -115,6 +115,22 @@
       </a:defRPr>
     </a:lvl9pPr>
   </p:defaultTextStyle>
+  <p:extLst>
+    <p:ext uri="{EFAFB233-063F-42B5-8137-9DF3F51BA10A}">
+      <p15:sldGuideLst xmlns:p15="http://schemas.microsoft.com/office/powerpoint/2012/main">
+        <p15:guide id="1" orient="horz" pos="2160">
+          <p15:clr>
+            <a:srgbClr val="A4A3A4"/>
+          </p15:clr>
+        </p15:guide>
+        <p15:guide id="2" pos="2880">
+          <p15:clr>
+            <a:srgbClr val="A4A3A4"/>
+          </p15:clr>
+        </p15:guide>
+      </p15:sldGuideLst>
+    </p:ext>
+  </p:extLst>
 </p:presentation>
 </file>
 
@@ -153,14 +169,14 @@
         <p:spPr>
           <a:xfrm>
             <a:off x="0" y="0"/>
-            <a:ext cx="2971800" cy="457200"/>
+            <a:ext cx="3011699" cy="461804"/>
           </a:xfrm>
           <a:prstGeom prst="rect">
             <a:avLst/>
           </a:prstGeom>
         </p:spPr>
         <p:txBody>
-          <a:bodyPr vert="horz" lIns="91440" tIns="45720" rIns="91440" bIns="45720" rtlCol="0"/>
+          <a:bodyPr vert="horz" lIns="92492" tIns="46246" rIns="92492" bIns="46246" rtlCol="0"/>
           <a:lstStyle>
             <a:lvl1pPr algn="l">
               <a:defRPr sz="1200"/>
@@ -183,15 +199,15 @@
         </p:nvSpPr>
         <p:spPr>
           <a:xfrm>
-            <a:off x="3884613" y="0"/>
-            <a:ext cx="2971800" cy="457200"/>
+            <a:off x="3936768" y="0"/>
+            <a:ext cx="3011699" cy="461804"/>
           </a:xfrm>
           <a:prstGeom prst="rect">
             <a:avLst/>
           </a:prstGeom>
         </p:spPr>
         <p:txBody>
-          <a:bodyPr vert="horz" lIns="91440" tIns="45720" rIns="91440" bIns="45720" rtlCol="0"/>
+          <a:bodyPr vert="horz" lIns="92492" tIns="46246" rIns="92492" bIns="46246" rtlCol="0"/>
           <a:lstStyle>
             <a:lvl1pPr algn="r">
               <a:defRPr sz="1200"/>
@@ -201,7 +217,7 @@
             <a:fld id="{131AC602-DAE9-4729-A83F-53BAAF7105AE}" type="datetimeFigureOut">
               <a:rPr lang="en-US" smtClean="0"/>
               <a:pPr/>
-              <a:t>4/21/2017</a:t>
+              <a:t>4/25/2017</a:t>
             </a:fld>
             <a:endParaRPr lang="en-US"/>
           </a:p>
@@ -219,8 +235,8 @@
         </p:nvSpPr>
         <p:spPr>
           <a:xfrm>
-            <a:off x="1143000" y="685800"/>
-            <a:ext cx="4572000" cy="3429000"/>
+            <a:off x="1165225" y="692150"/>
+            <a:ext cx="4619625" cy="3463925"/>
           </a:xfrm>
           <a:prstGeom prst="rect">
             <a:avLst/>
@@ -233,7 +249,7 @@
           </a:ln>
         </p:spPr>
         <p:txBody>
-          <a:bodyPr vert="horz" lIns="91440" tIns="45720" rIns="91440" bIns="45720" rtlCol="0" anchor="ctr"/>
+          <a:bodyPr vert="horz" lIns="92492" tIns="46246" rIns="92492" bIns="46246" rtlCol="0" anchor="ctr"/>
           <a:lstStyle/>
           <a:p>
             <a:endParaRPr lang="en-US"/>
@@ -252,53 +268,52 @@
         </p:nvSpPr>
         <p:spPr>
           <a:xfrm>
-            <a:off x="685800" y="4343400"/>
-            <a:ext cx="5486400" cy="4114800"/>
+            <a:off x="695008" y="4387136"/>
+            <a:ext cx="5560060" cy="4156234"/>
           </a:xfrm>
           <a:prstGeom prst="rect">
             <a:avLst/>
           </a:prstGeom>
         </p:spPr>
         <p:txBody>
-          <a:bodyPr vert="horz" lIns="91440" tIns="45720" rIns="91440" bIns="45720" rtlCol="0">
+          <a:bodyPr vert="horz" lIns="92492" tIns="46246" rIns="92492" bIns="46246" rtlCol="0">
             <a:normAutofit/>
           </a:bodyPr>
           <a:lstStyle/>
           <a:p>
             <a:pPr lvl="0"/>
             <a:r>
-              <a:rPr lang="en-US" smtClean="0"/>
+              <a:rPr lang="en-US"/>
               <a:t>Click to edit Master text styles</a:t>
             </a:r>
           </a:p>
           <a:p>
             <a:pPr lvl="1"/>
             <a:r>
-              <a:rPr lang="en-US" smtClean="0"/>
+              <a:rPr lang="en-US"/>
               <a:t>Second level</a:t>
             </a:r>
           </a:p>
           <a:p>
             <a:pPr lvl="2"/>
             <a:r>
-              <a:rPr lang="en-US" smtClean="0"/>
+              <a:rPr lang="en-US"/>
               <a:t>Third level</a:t>
             </a:r>
           </a:p>
           <a:p>
             <a:pPr lvl="3"/>
             <a:r>
-              <a:rPr lang="en-US" smtClean="0"/>
+              <a:rPr lang="en-US"/>
               <a:t>Fourth level</a:t>
             </a:r>
           </a:p>
           <a:p>
             <a:pPr lvl="4"/>
             <a:r>
-              <a:rPr lang="en-US" smtClean="0"/>
+              <a:rPr lang="en-US"/>
               <a:t>Fifth level</a:t>
             </a:r>
-            <a:endParaRPr lang="en-US"/>
           </a:p>
         </p:txBody>
       </p:sp>
@@ -314,15 +329,15 @@
         </p:nvSpPr>
         <p:spPr>
           <a:xfrm>
-            <a:off x="0" y="8685213"/>
-            <a:ext cx="2971800" cy="457200"/>
+            <a:off x="0" y="8772668"/>
+            <a:ext cx="3011699" cy="461804"/>
           </a:xfrm>
           <a:prstGeom prst="rect">
             <a:avLst/>
           </a:prstGeom>
         </p:spPr>
         <p:txBody>
-          <a:bodyPr vert="horz" lIns="91440" tIns="45720" rIns="91440" bIns="45720" rtlCol="0" anchor="b"/>
+          <a:bodyPr vert="horz" lIns="92492" tIns="46246" rIns="92492" bIns="46246" rtlCol="0" anchor="b"/>
           <a:lstStyle>
             <a:lvl1pPr algn="l">
               <a:defRPr sz="1200"/>
@@ -345,15 +360,15 @@
         </p:nvSpPr>
         <p:spPr>
           <a:xfrm>
-            <a:off x="3884613" y="8685213"/>
-            <a:ext cx="2971800" cy="457200"/>
+            <a:off x="3936768" y="8772668"/>
+            <a:ext cx="3011699" cy="461804"/>
           </a:xfrm>
           <a:prstGeom prst="rect">
             <a:avLst/>
           </a:prstGeom>
         </p:spPr>
         <p:txBody>
-          <a:bodyPr vert="horz" lIns="91440" tIns="45720" rIns="91440" bIns="45720" rtlCol="0" anchor="b"/>
+          <a:bodyPr vert="horz" lIns="92492" tIns="46246" rIns="92492" bIns="46246" rtlCol="0" anchor="b"/>
           <a:lstStyle>
             <a:lvl1pPr algn="r">
               <a:defRPr sz="1200"/>
@@ -372,7 +387,7 @@
     </p:spTree>
     <p:extLst>
       <p:ext uri="{BB962C8B-B14F-4D97-AF65-F5344CB8AC3E}">
-        <p14:creationId xmlns="" xmlns:p14="http://schemas.microsoft.com/office/powerpoint/2010/main" val="1955937940"/>
+        <p14:creationId xmlns:p14="http://schemas.microsoft.com/office/powerpoint/2010/main" val="1955937940"/>
       </p:ext>
     </p:extLst>
   </p:cSld>
@@ -547,7 +562,7 @@
     </p:spTree>
     <p:extLst>
       <p:ext uri="{BB962C8B-B14F-4D97-AF65-F5344CB8AC3E}">
-        <p14:creationId xmlns="" xmlns:p14="http://schemas.microsoft.com/office/powerpoint/2010/main" val="1726442032"/>
+        <p14:creationId xmlns:p14="http://schemas.microsoft.com/office/powerpoint/2010/main" val="1726442032"/>
       </p:ext>
     </p:extLst>
   </p:cSld>
@@ -632,7 +647,7 @@
     </p:spTree>
     <p:extLst>
       <p:ext uri="{BB962C8B-B14F-4D97-AF65-F5344CB8AC3E}">
-        <p14:creationId xmlns="" xmlns:p14="http://schemas.microsoft.com/office/powerpoint/2010/main" val="2515406452"/>
+        <p14:creationId xmlns:p14="http://schemas.microsoft.com/office/powerpoint/2010/main" val="2515406452"/>
       </p:ext>
     </p:extLst>
   </p:cSld>
@@ -717,7 +732,7 @@
     </p:spTree>
     <p:extLst>
       <p:ext uri="{BB962C8B-B14F-4D97-AF65-F5344CB8AC3E}">
-        <p14:creationId xmlns="" xmlns:p14="http://schemas.microsoft.com/office/powerpoint/2010/main" val="3495993550"/>
+        <p14:creationId xmlns:p14="http://schemas.microsoft.com/office/powerpoint/2010/main" val="3495993550"/>
       </p:ext>
     </p:extLst>
   </p:cSld>
@@ -802,7 +817,7 @@
     </p:spTree>
     <p:extLst>
       <p:ext uri="{BB962C8B-B14F-4D97-AF65-F5344CB8AC3E}">
-        <p14:creationId xmlns="" xmlns:p14="http://schemas.microsoft.com/office/powerpoint/2010/main" val="1203485326"/>
+        <p14:creationId xmlns:p14="http://schemas.microsoft.com/office/powerpoint/2010/main" val="1203485326"/>
       </p:ext>
     </p:extLst>
   </p:cSld>
@@ -850,10 +865,9 @@
           <a:lstStyle/>
           <a:p>
             <a:r>
-              <a:rPr lang="en-US" smtClean="0"/>
+              <a:rPr lang="en-US"/>
               <a:t>Click to edit Master title style</a:t>
             </a:r>
-            <a:endParaRPr lang="en-US"/>
           </a:p>
         </p:txBody>
       </p:sp>
@@ -969,10 +983,9 @@
           </a:lstStyle>
           <a:p>
             <a:r>
-              <a:rPr lang="en-US" smtClean="0"/>
+              <a:rPr lang="en-US"/>
               <a:t>Click to edit Master subtitle style</a:t>
             </a:r>
-            <a:endParaRPr lang="en-US"/>
           </a:p>
         </p:txBody>
       </p:sp>
@@ -994,7 +1007,7 @@
             <a:fld id="{D83971B2-B9E1-4884-B7EB-6F72654029E3}" type="datetime1">
               <a:rPr lang="en-US" smtClean="0"/>
               <a:pPr/>
-              <a:t>4/21/2017</a:t>
+              <a:t>4/25/2017</a:t>
             </a:fld>
             <a:endParaRPr lang="en-US"/>
           </a:p>
@@ -1084,10 +1097,9 @@
           <a:lstStyle/>
           <a:p>
             <a:r>
-              <a:rPr lang="en-US" smtClean="0"/>
+              <a:rPr lang="en-US"/>
               <a:t>Click to edit Master title style</a:t>
             </a:r>
-            <a:endParaRPr lang="en-US"/>
           </a:p>
         </p:txBody>
       </p:sp>
@@ -1108,38 +1120,37 @@
           <a:p>
             <a:pPr lvl="0"/>
             <a:r>
-              <a:rPr lang="en-US" smtClean="0"/>
+              <a:rPr lang="en-US"/>
               <a:t>Click to edit Master text styles</a:t>
             </a:r>
           </a:p>
           <a:p>
             <a:pPr lvl="1"/>
             <a:r>
-              <a:rPr lang="en-US" smtClean="0"/>
+              <a:rPr lang="en-US"/>
               <a:t>Second level</a:t>
             </a:r>
           </a:p>
           <a:p>
             <a:pPr lvl="2"/>
             <a:r>
-              <a:rPr lang="en-US" smtClean="0"/>
+              <a:rPr lang="en-US"/>
               <a:t>Third level</a:t>
             </a:r>
           </a:p>
           <a:p>
             <a:pPr lvl="3"/>
             <a:r>
-              <a:rPr lang="en-US" smtClean="0"/>
+              <a:rPr lang="en-US"/>
               <a:t>Fourth level</a:t>
             </a:r>
           </a:p>
           <a:p>
             <a:pPr lvl="4"/>
             <a:r>
-              <a:rPr lang="en-US" smtClean="0"/>
+              <a:rPr lang="en-US"/>
               <a:t>Fifth level</a:t>
             </a:r>
-            <a:endParaRPr lang="en-US"/>
           </a:p>
         </p:txBody>
       </p:sp>
@@ -1161,7 +1172,7 @@
             <a:fld id="{80D07BC7-BD62-4598-973F-2CE5592D9FC2}" type="datetime1">
               <a:rPr lang="en-US" smtClean="0"/>
               <a:pPr/>
-              <a:t>4/21/2017</a:t>
+              <a:t>4/25/2017</a:t>
             </a:fld>
             <a:endParaRPr lang="en-US"/>
           </a:p>
@@ -1256,10 +1267,9 @@
           <a:lstStyle/>
           <a:p>
             <a:r>
-              <a:rPr lang="en-US" smtClean="0"/>
+              <a:rPr lang="en-US"/>
               <a:t>Click to edit Master title style</a:t>
             </a:r>
-            <a:endParaRPr lang="en-US"/>
           </a:p>
         </p:txBody>
       </p:sp>
@@ -1285,38 +1295,37 @@
           <a:p>
             <a:pPr lvl="0"/>
             <a:r>
-              <a:rPr lang="en-US" smtClean="0"/>
+              <a:rPr lang="en-US"/>
               <a:t>Click to edit Master text styles</a:t>
             </a:r>
           </a:p>
           <a:p>
             <a:pPr lvl="1"/>
             <a:r>
-              <a:rPr lang="en-US" smtClean="0"/>
+              <a:rPr lang="en-US"/>
               <a:t>Second level</a:t>
             </a:r>
           </a:p>
           <a:p>
             <a:pPr lvl="2"/>
             <a:r>
-              <a:rPr lang="en-US" smtClean="0"/>
+              <a:rPr lang="en-US"/>
               <a:t>Third level</a:t>
             </a:r>
           </a:p>
           <a:p>
             <a:pPr lvl="3"/>
             <a:r>
-              <a:rPr lang="en-US" smtClean="0"/>
+              <a:rPr lang="en-US"/>
               <a:t>Fourth level</a:t>
             </a:r>
           </a:p>
           <a:p>
             <a:pPr lvl="4"/>
             <a:r>
-              <a:rPr lang="en-US" smtClean="0"/>
+              <a:rPr lang="en-US"/>
               <a:t>Fifth level</a:t>
             </a:r>
-            <a:endParaRPr lang="en-US"/>
           </a:p>
         </p:txBody>
       </p:sp>
@@ -1338,7 +1347,7 @@
             <a:fld id="{7FDE9E80-B6CF-4C22-B619-70C338E65E50}" type="datetime1">
               <a:rPr lang="en-US" smtClean="0"/>
               <a:pPr/>
-              <a:t>4/21/2017</a:t>
+              <a:t>4/25/2017</a:t>
             </a:fld>
             <a:endParaRPr lang="en-US"/>
           </a:p>
@@ -1428,10 +1437,9 @@
           <a:lstStyle/>
           <a:p>
             <a:r>
-              <a:rPr lang="en-US" smtClean="0"/>
+              <a:rPr lang="en-US"/>
               <a:t>Click to edit Master title style</a:t>
             </a:r>
-            <a:endParaRPr lang="en-US"/>
           </a:p>
         </p:txBody>
       </p:sp>
@@ -1452,38 +1460,37 @@
           <a:p>
             <a:pPr lvl="0"/>
             <a:r>
-              <a:rPr lang="en-US" smtClean="0"/>
+              <a:rPr lang="en-US"/>
               <a:t>Click to edit Master text styles</a:t>
             </a:r>
           </a:p>
           <a:p>
             <a:pPr lvl="1"/>
             <a:r>
-              <a:rPr lang="en-US" smtClean="0"/>
+              <a:rPr lang="en-US"/>
               <a:t>Second level</a:t>
             </a:r>
           </a:p>
           <a:p>
             <a:pPr lvl="2"/>
             <a:r>
-              <a:rPr lang="en-US" smtClean="0"/>
+              <a:rPr lang="en-US"/>
               <a:t>Third level</a:t>
             </a:r>
           </a:p>
           <a:p>
             <a:pPr lvl="3"/>
             <a:r>
-              <a:rPr lang="en-US" smtClean="0"/>
+              <a:rPr lang="en-US"/>
               <a:t>Fourth level</a:t>
             </a:r>
           </a:p>
           <a:p>
             <a:pPr lvl="4"/>
             <a:r>
-              <a:rPr lang="en-US" smtClean="0"/>
+              <a:rPr lang="en-US"/>
               <a:t>Fifth level</a:t>
             </a:r>
-            <a:endParaRPr lang="en-US"/>
           </a:p>
         </p:txBody>
       </p:sp>
@@ -1505,7 +1512,7 @@
             <a:fld id="{FFC79020-9DA4-4C20-A2A1-2FABCA4BDFE1}" type="datetime1">
               <a:rPr lang="en-US" smtClean="0"/>
               <a:pPr/>
-              <a:t>4/21/2017</a:t>
+              <a:t>4/25/2017</a:t>
             </a:fld>
             <a:endParaRPr lang="en-US"/>
           </a:p>
@@ -1604,10 +1611,9 @@
           </a:lstStyle>
           <a:p>
             <a:r>
-              <a:rPr lang="en-US" smtClean="0"/>
+              <a:rPr lang="en-US"/>
               <a:t>Click to edit Master title style</a:t>
             </a:r>
-            <a:endParaRPr lang="en-US"/>
           </a:p>
         </p:txBody>
       </p:sp>
@@ -1724,7 +1730,7 @@
           <a:p>
             <a:pPr lvl="0"/>
             <a:r>
-              <a:rPr lang="en-US" smtClean="0"/>
+              <a:rPr lang="en-US"/>
               <a:t>Click to edit Master text styles</a:t>
             </a:r>
           </a:p>
@@ -1748,7 +1754,7 @@
             <a:fld id="{D811CBB1-573A-4585-97CF-B5D23CB9D8A6}" type="datetime1">
               <a:rPr lang="en-US" smtClean="0"/>
               <a:pPr/>
-              <a:t>4/21/2017</a:t>
+              <a:t>4/25/2017</a:t>
             </a:fld>
             <a:endParaRPr lang="en-US"/>
           </a:p>
@@ -1838,10 +1844,9 @@
           <a:lstStyle/>
           <a:p>
             <a:r>
-              <a:rPr lang="en-US" smtClean="0"/>
+              <a:rPr lang="en-US"/>
               <a:t>Click to edit Master title style</a:t>
             </a:r>
-            <a:endParaRPr lang="en-US"/>
           </a:p>
         </p:txBody>
       </p:sp>
@@ -1895,38 +1900,37 @@
           <a:p>
             <a:pPr lvl="0"/>
             <a:r>
-              <a:rPr lang="en-US" smtClean="0"/>
+              <a:rPr lang="en-US"/>
               <a:t>Click to edit Master text styles</a:t>
             </a:r>
           </a:p>
           <a:p>
             <a:pPr lvl="1"/>
             <a:r>
-              <a:rPr lang="en-US" smtClean="0"/>
+              <a:rPr lang="en-US"/>
               <a:t>Second level</a:t>
             </a:r>
           </a:p>
           <a:p>
             <a:pPr lvl="2"/>
             <a:r>
-              <a:rPr lang="en-US" smtClean="0"/>
+              <a:rPr lang="en-US"/>
               <a:t>Third level</a:t>
             </a:r>
           </a:p>
           <a:p>
             <a:pPr lvl="3"/>
             <a:r>
-              <a:rPr lang="en-US" smtClean="0"/>
+              <a:rPr lang="en-US"/>
               <a:t>Fourth level</a:t>
             </a:r>
           </a:p>
           <a:p>
             <a:pPr lvl="4"/>
             <a:r>
-              <a:rPr lang="en-US" smtClean="0"/>
+              <a:rPr lang="en-US"/>
               <a:t>Fifth level</a:t>
             </a:r>
-            <a:endParaRPr lang="en-US"/>
           </a:p>
         </p:txBody>
       </p:sp>
@@ -1980,38 +1984,37 @@
           <a:p>
             <a:pPr lvl="0"/>
             <a:r>
-              <a:rPr lang="en-US" smtClean="0"/>
+              <a:rPr lang="en-US"/>
               <a:t>Click to edit Master text styles</a:t>
             </a:r>
           </a:p>
           <a:p>
             <a:pPr lvl="1"/>
             <a:r>
-              <a:rPr lang="en-US" smtClean="0"/>
+              <a:rPr lang="en-US"/>
               <a:t>Second level</a:t>
             </a:r>
           </a:p>
           <a:p>
             <a:pPr lvl="2"/>
             <a:r>
-              <a:rPr lang="en-US" smtClean="0"/>
+              <a:rPr lang="en-US"/>
               <a:t>Third level</a:t>
             </a:r>
           </a:p>
           <a:p>
             <a:pPr lvl="3"/>
             <a:r>
-              <a:rPr lang="en-US" smtClean="0"/>
+              <a:rPr lang="en-US"/>
               <a:t>Fourth level</a:t>
             </a:r>
           </a:p>
           <a:p>
             <a:pPr lvl="4"/>
             <a:r>
-              <a:rPr lang="en-US" smtClean="0"/>
+              <a:rPr lang="en-US"/>
               <a:t>Fifth level</a:t>
             </a:r>
-            <a:endParaRPr lang="en-US"/>
           </a:p>
         </p:txBody>
       </p:sp>
@@ -2033,7 +2036,7 @@
             <a:fld id="{6FD3DC05-A5E4-46D4-B837-6CD529AE1C53}" type="datetime1">
               <a:rPr lang="en-US" smtClean="0"/>
               <a:pPr/>
-              <a:t>4/21/2017</a:t>
+              <a:t>4/25/2017</a:t>
             </a:fld>
             <a:endParaRPr lang="en-US"/>
           </a:p>
@@ -2127,10 +2130,9 @@
           </a:lstStyle>
           <a:p>
             <a:r>
-              <a:rPr lang="en-US" smtClean="0"/>
+              <a:rPr lang="en-US"/>
               <a:t>Click to edit Master title style</a:t>
             </a:r>
-            <a:endParaRPr lang="en-US"/>
           </a:p>
         </p:txBody>
       </p:sp>
@@ -2193,7 +2195,7 @@
           <a:p>
             <a:pPr lvl="0"/>
             <a:r>
-              <a:rPr lang="en-US" smtClean="0"/>
+              <a:rPr lang="en-US"/>
               <a:t>Click to edit Master text styles</a:t>
             </a:r>
           </a:p>
@@ -2249,38 +2251,37 @@
           <a:p>
             <a:pPr lvl="0"/>
             <a:r>
-              <a:rPr lang="en-US" smtClean="0"/>
+              <a:rPr lang="en-US"/>
               <a:t>Click to edit Master text styles</a:t>
             </a:r>
           </a:p>
           <a:p>
             <a:pPr lvl="1"/>
             <a:r>
-              <a:rPr lang="en-US" smtClean="0"/>
+              <a:rPr lang="en-US"/>
               <a:t>Second level</a:t>
             </a:r>
           </a:p>
           <a:p>
             <a:pPr lvl="2"/>
             <a:r>
-              <a:rPr lang="en-US" smtClean="0"/>
+              <a:rPr lang="en-US"/>
               <a:t>Third level</a:t>
             </a:r>
           </a:p>
           <a:p>
             <a:pPr lvl="3"/>
             <a:r>
-              <a:rPr lang="en-US" smtClean="0"/>
+              <a:rPr lang="en-US"/>
               <a:t>Fourth level</a:t>
             </a:r>
           </a:p>
           <a:p>
             <a:pPr lvl="4"/>
             <a:r>
-              <a:rPr lang="en-US" smtClean="0"/>
+              <a:rPr lang="en-US"/>
               <a:t>Fifth level</a:t>
             </a:r>
-            <a:endParaRPr lang="en-US"/>
           </a:p>
         </p:txBody>
       </p:sp>
@@ -2343,7 +2344,7 @@
           <a:p>
             <a:pPr lvl="0"/>
             <a:r>
-              <a:rPr lang="en-US" smtClean="0"/>
+              <a:rPr lang="en-US"/>
               <a:t>Click to edit Master text styles</a:t>
             </a:r>
           </a:p>
@@ -2399,38 +2400,37 @@
           <a:p>
             <a:pPr lvl="0"/>
             <a:r>
-              <a:rPr lang="en-US" smtClean="0"/>
+              <a:rPr lang="en-US"/>
               <a:t>Click to edit Master text styles</a:t>
             </a:r>
           </a:p>
           <a:p>
             <a:pPr lvl="1"/>
             <a:r>
-              <a:rPr lang="en-US" smtClean="0"/>
+              <a:rPr lang="en-US"/>
               <a:t>Second level</a:t>
             </a:r>
           </a:p>
           <a:p>
             <a:pPr lvl="2"/>
             <a:r>
-              <a:rPr lang="en-US" smtClean="0"/>
+              <a:rPr lang="en-US"/>
               <a:t>Third level</a:t>
             </a:r>
           </a:p>
           <a:p>
             <a:pPr lvl="3"/>
             <a:r>
-              <a:rPr lang="en-US" smtClean="0"/>
+              <a:rPr lang="en-US"/>
               <a:t>Fourth level</a:t>
             </a:r>
           </a:p>
           <a:p>
             <a:pPr lvl="4"/>
             <a:r>
-              <a:rPr lang="en-US" smtClean="0"/>
+              <a:rPr lang="en-US"/>
               <a:t>Fifth level</a:t>
             </a:r>
-            <a:endParaRPr lang="en-US"/>
           </a:p>
         </p:txBody>
       </p:sp>
@@ -2452,7 +2452,7 @@
             <a:fld id="{48C04B35-06FA-42C8-99E4-6CC870F3ACFE}" type="datetime1">
               <a:rPr lang="en-US" smtClean="0"/>
               <a:pPr/>
-              <a:t>4/21/2017</a:t>
+              <a:t>4/25/2017</a:t>
             </a:fld>
             <a:endParaRPr lang="en-US"/>
           </a:p>
@@ -2542,10 +2542,9 @@
           <a:lstStyle/>
           <a:p>
             <a:r>
-              <a:rPr lang="en-US" smtClean="0"/>
+              <a:rPr lang="en-US"/>
               <a:t>Click to edit Master title style</a:t>
             </a:r>
-            <a:endParaRPr lang="en-US"/>
           </a:p>
         </p:txBody>
       </p:sp>
@@ -2567,7 +2566,7 @@
             <a:fld id="{FC067206-8000-4120-A7A9-27FCFC825223}" type="datetime1">
               <a:rPr lang="en-US" smtClean="0"/>
               <a:pPr/>
-              <a:t>4/21/2017</a:t>
+              <a:t>4/25/2017</a:t>
             </a:fld>
             <a:endParaRPr lang="en-US"/>
           </a:p>
@@ -2659,7 +2658,7 @@
             <a:fld id="{48D242A1-A8EF-4BF1-92A3-9A0FA4A623B7}" type="datetime1">
               <a:rPr lang="en-US" smtClean="0"/>
               <a:pPr/>
-              <a:t>4/21/2017</a:t>
+              <a:t>4/25/2017</a:t>
             </a:fld>
             <a:endParaRPr lang="en-US"/>
           </a:p>
@@ -2758,10 +2757,9 @@
           </a:lstStyle>
           <a:p>
             <a:r>
-              <a:rPr lang="en-US" smtClean="0"/>
+              <a:rPr lang="en-US"/>
               <a:t>Click to edit Master title style</a:t>
             </a:r>
-            <a:endParaRPr lang="en-US"/>
           </a:p>
         </p:txBody>
       </p:sp>
@@ -2815,38 +2813,37 @@
           <a:p>
             <a:pPr lvl="0"/>
             <a:r>
-              <a:rPr lang="en-US" smtClean="0"/>
+              <a:rPr lang="en-US"/>
               <a:t>Click to edit Master text styles</a:t>
             </a:r>
           </a:p>
           <a:p>
             <a:pPr lvl="1"/>
             <a:r>
-              <a:rPr lang="en-US" smtClean="0"/>
+              <a:rPr lang="en-US"/>
               <a:t>Second level</a:t>
             </a:r>
           </a:p>
           <a:p>
             <a:pPr lvl="2"/>
             <a:r>
-              <a:rPr lang="en-US" smtClean="0"/>
+              <a:rPr lang="en-US"/>
               <a:t>Third level</a:t>
             </a:r>
           </a:p>
           <a:p>
             <a:pPr lvl="3"/>
             <a:r>
-              <a:rPr lang="en-US" smtClean="0"/>
+              <a:rPr lang="en-US"/>
               <a:t>Fourth level</a:t>
             </a:r>
           </a:p>
           <a:p>
             <a:pPr lvl="4"/>
             <a:r>
-              <a:rPr lang="en-US" smtClean="0"/>
+              <a:rPr lang="en-US"/>
               <a:t>Fifth level</a:t>
             </a:r>
-            <a:endParaRPr lang="en-US"/>
           </a:p>
         </p:txBody>
       </p:sp>
@@ -2909,7 +2906,7 @@
           <a:p>
             <a:pPr lvl="0"/>
             <a:r>
-              <a:rPr lang="en-US" smtClean="0"/>
+              <a:rPr lang="en-US"/>
               <a:t>Click to edit Master text styles</a:t>
             </a:r>
           </a:p>
@@ -2933,7 +2930,7 @@
             <a:fld id="{9A8CBB88-4D83-46DE-A640-4C25035B4966}" type="datetime1">
               <a:rPr lang="en-US" smtClean="0"/>
               <a:pPr/>
-              <a:t>4/21/2017</a:t>
+              <a:t>4/25/2017</a:t>
             </a:fld>
             <a:endParaRPr lang="en-US"/>
           </a:p>
@@ -3032,10 +3029,9 @@
           </a:lstStyle>
           <a:p>
             <a:r>
-              <a:rPr lang="en-US" smtClean="0"/>
+              <a:rPr lang="en-US"/>
               <a:t>Click to edit Master title style</a:t>
             </a:r>
-            <a:endParaRPr lang="en-US"/>
           </a:p>
         </p:txBody>
       </p:sp>
@@ -3159,7 +3155,7 @@
           <a:p>
             <a:pPr lvl="0"/>
             <a:r>
-              <a:rPr lang="en-US" smtClean="0"/>
+              <a:rPr lang="en-US"/>
               <a:t>Click to edit Master text styles</a:t>
             </a:r>
           </a:p>
@@ -3183,7 +3179,7 @@
             <a:fld id="{2047EBAD-32F4-4F92-9AC9-88A33BCFC2BC}" type="datetime1">
               <a:rPr lang="en-US" smtClean="0"/>
               <a:pPr/>
-              <a:t>4/21/2017</a:t>
+              <a:t>4/25/2017</a:t>
             </a:fld>
             <a:endParaRPr lang="en-US"/>
           </a:p>
@@ -3288,10 +3284,9 @@
           <a:lstStyle/>
           <a:p>
             <a:r>
-              <a:rPr lang="en-US" smtClean="0"/>
+              <a:rPr lang="en-US"/>
               <a:t>Click to edit Master title style</a:t>
             </a:r>
-            <a:endParaRPr lang="en-US"/>
           </a:p>
         </p:txBody>
       </p:sp>
@@ -3322,38 +3317,37 @@
           <a:p>
             <a:pPr lvl="0"/>
             <a:r>
-              <a:rPr lang="en-US" smtClean="0"/>
+              <a:rPr lang="en-US"/>
               <a:t>Click to edit Master text styles</a:t>
             </a:r>
           </a:p>
           <a:p>
             <a:pPr lvl="1"/>
             <a:r>
-              <a:rPr lang="en-US" smtClean="0"/>
+              <a:rPr lang="en-US"/>
               <a:t>Second level</a:t>
             </a:r>
           </a:p>
           <a:p>
             <a:pPr lvl="2"/>
             <a:r>
-              <a:rPr lang="en-US" smtClean="0"/>
+              <a:rPr lang="en-US"/>
               <a:t>Third level</a:t>
             </a:r>
           </a:p>
           <a:p>
             <a:pPr lvl="3"/>
             <a:r>
-              <a:rPr lang="en-US" smtClean="0"/>
+              <a:rPr lang="en-US"/>
               <a:t>Fourth level</a:t>
             </a:r>
           </a:p>
           <a:p>
             <a:pPr lvl="4"/>
             <a:r>
-              <a:rPr lang="en-US" smtClean="0"/>
+              <a:rPr lang="en-US"/>
               <a:t>Fifth level</a:t>
             </a:r>
-            <a:endParaRPr lang="en-US"/>
           </a:p>
         </p:txBody>
       </p:sp>
@@ -3393,7 +3387,7 @@
             <a:fld id="{F8CFF724-F282-44C7-8056-007D5F662815}" type="datetime1">
               <a:rPr lang="en-US" smtClean="0"/>
               <a:pPr/>
-              <a:t>4/21/2017</a:t>
+              <a:t>4/25/2017</a:t>
             </a:fld>
             <a:endParaRPr lang="en-US"/>
           </a:p>
@@ -3788,10 +3782,9 @@
           <a:lstStyle/>
           <a:p>
             <a:r>
-              <a:rPr lang="en-US" dirty="0" smtClean="0"/>
+              <a:rPr lang="en-US" dirty="0"/>
               <a:t>Stellar Energy Foundation, Inc.</a:t>
             </a:r>
-            <a:endParaRPr lang="en-US" dirty="0"/>
           </a:p>
         </p:txBody>
       </p:sp>
@@ -3818,22 +3811,21 @@
           <a:lstStyle/>
           <a:p>
             <a:r>
-              <a:rPr lang="en-US" dirty="0" smtClean="0"/>
-              <a:t>Sponsoring US-based Breakthrough Research on Controlled Fusion </a:t>
-            </a:r>
-          </a:p>
-          <a:p>
-            <a:r>
-              <a:rPr lang="en-US" dirty="0" smtClean="0"/>
+              <a:rPr lang="en-US" dirty="0"/>
+              <a:t>Sponsoring U.S.-based Breakthrough Research on Controlled Fusion </a:t>
+            </a:r>
+          </a:p>
+          <a:p>
+            <a:r>
+              <a:rPr lang="en-US" dirty="0"/>
               <a:t>as a </a:t>
             </a:r>
           </a:p>
           <a:p>
             <a:r>
-              <a:rPr lang="en-US" dirty="0" smtClean="0"/>
+              <a:rPr lang="en-US" dirty="0"/>
               <a:t>Solution to the World’s Energy Issues</a:t>
             </a:r>
-            <a:endParaRPr lang="en-US" dirty="0"/>
           </a:p>
         </p:txBody>
       </p:sp>
@@ -3878,10 +3870,9 @@
           <a:lstStyle/>
           <a:p>
             <a:r>
-              <a:rPr lang="en-US" dirty="0" smtClean="0"/>
+              <a:rPr lang="en-US" dirty="0"/>
               <a:t>Who are we?</a:t>
             </a:r>
-            <a:endParaRPr lang="en-US" dirty="0"/>
           </a:p>
         </p:txBody>
       </p:sp>
@@ -3908,62 +3899,62 @@
           <a:lstStyle/>
           <a:p>
             <a:r>
-              <a:rPr lang="en-US" dirty="0" smtClean="0"/>
+              <a:rPr lang="en-US" dirty="0"/>
               <a:t>Jesse I. </a:t>
             </a:r>
             <a:r>
-              <a:rPr lang="en-US" dirty="0" err="1" smtClean="0"/>
+              <a:rPr lang="en-US" dirty="0" err="1"/>
               <a:t>Treu</a:t>
             </a:r>
             <a:r>
-              <a:rPr lang="en-US" dirty="0" smtClean="0"/>
+              <a:rPr lang="en-US" dirty="0"/>
               <a:t>, Ph.D.</a:t>
             </a:r>
           </a:p>
           <a:p>
             <a:pPr lvl="1"/>
             <a:r>
-              <a:rPr lang="en-US" dirty="0" smtClean="0"/>
+              <a:rPr lang="en-US" dirty="0"/>
               <a:t>Partner and co-founder Domain Associates, LLC</a:t>
             </a:r>
           </a:p>
           <a:p>
             <a:pPr lvl="1"/>
             <a:r>
-              <a:rPr lang="en-US" dirty="0" smtClean="0"/>
+              <a:rPr lang="en-US" dirty="0"/>
               <a:t>33 years of professional venture capital experience</a:t>
             </a:r>
           </a:p>
           <a:p>
             <a:r>
-              <a:rPr lang="en-US" dirty="0" smtClean="0"/>
+              <a:rPr lang="en-US" dirty="0"/>
               <a:t>Matthew D. Miller, Ph.D.</a:t>
             </a:r>
           </a:p>
           <a:p>
             <a:pPr lvl="1"/>
             <a:r>
-              <a:rPr lang="en-US" dirty="0" smtClean="0"/>
+              <a:rPr lang="en-US" dirty="0"/>
               <a:t>Seasoned C-level technology executive and serial tech entrepreneur</a:t>
             </a:r>
           </a:p>
           <a:p>
             <a:pPr lvl="1"/>
             <a:r>
-              <a:rPr lang="en-US" dirty="0" smtClean="0"/>
-              <a:t>Major contributor to development and deployment US digital TV and digital communications infrastructure</a:t>
-            </a:r>
-          </a:p>
-          <a:p>
-            <a:r>
-              <a:rPr lang="en-US" dirty="0" smtClean="0"/>
+              <a:rPr lang="en-US" dirty="0"/>
+              <a:t>Major contributor to development and deployment U.S. digital TV and digital communications infrastructure</a:t>
+            </a:r>
+          </a:p>
+          <a:p>
+            <a:r>
+              <a:rPr lang="en-US" dirty="0"/>
               <a:t>NJ non-profit corporation, formed in May 2016, IRS 501(c)(3) tax exemption in-process</a:t>
             </a:r>
           </a:p>
           <a:p>
             <a:r>
-              <a:rPr lang="en-US" dirty="0" smtClean="0"/>
-              <a:t>We are working with Princeton Plasma Physics Lab, MIT Plasma Sciences and Fusion Center, and others</a:t>
+              <a:rPr lang="en-US" dirty="0"/>
+              <a:t>We are working with Princeton Plasma Physics Lab, MIT Plasma Sciences and Fusion Center, and others.</a:t>
             </a:r>
           </a:p>
         </p:txBody>
@@ -4064,28 +4055,27 @@
           <a:lstStyle/>
           <a:p>
             <a:r>
-              <a:rPr lang="en-US" dirty="0" smtClean="0"/>
+              <a:rPr lang="en-US" dirty="0"/>
               <a:t>Controlled Fusion Energy</a:t>
             </a:r>
             <a:br>
-              <a:rPr lang="en-US" dirty="0" smtClean="0"/>
+              <a:rPr lang="en-US" dirty="0"/>
             </a:br>
             <a:r>
-              <a:rPr lang="en-US" dirty="0" smtClean="0"/>
+              <a:rPr lang="en-US" dirty="0"/>
               <a:t>is</a:t>
             </a:r>
             <a:br>
-              <a:rPr lang="en-US" dirty="0" smtClean="0"/>
+              <a:rPr lang="en-US" dirty="0"/>
             </a:br>
             <a:r>
-              <a:rPr lang="en-US" u="sng" dirty="0" smtClean="0"/>
+              <a:rPr lang="en-US" u="sng" dirty="0"/>
               <a:t>Inherently Safe</a:t>
             </a:r>
             <a:r>
-              <a:rPr lang="en-US" dirty="0" smtClean="0"/>
+              <a:rPr lang="en-US" dirty="0"/>
               <a:t> Nuclear Energy</a:t>
             </a:r>
-            <a:endParaRPr lang="en-US" dirty="0"/>
           </a:p>
         </p:txBody>
       </p:sp>
@@ -4130,10 +4120,9 @@
           <a:lstStyle/>
           <a:p>
             <a:r>
-              <a:rPr lang="en-US" dirty="0" smtClean="0"/>
+              <a:rPr lang="en-US" dirty="0"/>
               <a:t>Controlled Fusion Energy</a:t>
             </a:r>
-            <a:endParaRPr lang="en-US" dirty="0"/>
           </a:p>
         </p:txBody>
       </p:sp>
@@ -4167,39 +4156,21 @@
           </a:p>
           <a:p>
             <a:r>
-              <a:rPr lang="en-US" dirty="0" smtClean="0"/>
+              <a:rPr lang="en-US" dirty="0"/>
               <a:t>New advances create promising technical opportunities</a:t>
             </a:r>
           </a:p>
           <a:p>
             <a:r>
               <a:rPr lang="en-US" dirty="0"/>
-              <a:t>The U.S. risks losing its leadership </a:t>
-            </a:r>
-            <a:r>
-              <a:rPr lang="en-US" dirty="0" smtClean="0"/>
-              <a:t>position</a:t>
-            </a:r>
-            <a:endParaRPr lang="en-US" dirty="0"/>
-          </a:p>
-          <a:p>
-            <a:r>
-              <a:rPr lang="en-US" dirty="0"/>
-              <a:t>Funding, both public and </a:t>
-            </a:r>
-            <a:r>
-              <a:rPr lang="en-US" dirty="0" smtClean="0"/>
-              <a:t>private </a:t>
-            </a:r>
-            <a:r>
-              <a:rPr lang="en-US" dirty="0"/>
-              <a:t>is </a:t>
-            </a:r>
-            <a:r>
-              <a:rPr lang="en-US" dirty="0" smtClean="0"/>
-              <a:t> inadequate</a:t>
-            </a:r>
-            <a:endParaRPr lang="en-US" dirty="0"/>
+              <a:t>The U.S. risks losing its leadership position</a:t>
+            </a:r>
+          </a:p>
+          <a:p>
+            <a:r>
+              <a:rPr lang="en-US" dirty="0"/>
+              <a:t>Funding, both public and private is inadequate.</a:t>
+            </a:r>
           </a:p>
           <a:p>
             <a:endParaRPr lang="en-US" dirty="0"/>
@@ -4233,7 +4204,7 @@
     </p:spTree>
     <p:extLst>
       <p:ext uri="{BB962C8B-B14F-4D97-AF65-F5344CB8AC3E}">
-        <p14:creationId xmlns="" xmlns:p14="http://schemas.microsoft.com/office/powerpoint/2010/main" val="1340051045"/>
+        <p14:creationId xmlns:p14="http://schemas.microsoft.com/office/powerpoint/2010/main" val="1340051045"/>
       </p:ext>
     </p:extLst>
   </p:cSld>
@@ -4278,10 +4249,9 @@
           <a:lstStyle/>
           <a:p>
             <a:r>
-              <a:rPr lang="en-US" dirty="0" smtClean="0"/>
+              <a:rPr lang="en-US" dirty="0"/>
               <a:t>Other Candidates for Environmentally Sound Energy Generation</a:t>
             </a:r>
-            <a:endParaRPr lang="en-US" dirty="0"/>
           </a:p>
         </p:txBody>
       </p:sp>
@@ -4303,68 +4273,68 @@
           <a:lstStyle/>
           <a:p>
             <a:r>
-              <a:rPr lang="en-US" dirty="0" smtClean="0"/>
+              <a:rPr lang="en-US" dirty="0"/>
               <a:t>Fossil fuels plus CO2 sequestration</a:t>
             </a:r>
           </a:p>
           <a:p>
             <a:pPr lvl="1"/>
             <a:r>
-              <a:rPr lang="en-US" dirty="0" smtClean="0"/>
+              <a:rPr lang="en-US" dirty="0"/>
               <a:t>Needs reliable technology to store CO2 for centuries</a:t>
             </a:r>
           </a:p>
           <a:p>
             <a:pPr lvl="1"/>
             <a:r>
-              <a:rPr lang="en-US" dirty="0" smtClean="0"/>
+              <a:rPr lang="en-US" dirty="0"/>
               <a:t>Geological storage sites not uniformly available</a:t>
             </a:r>
           </a:p>
           <a:p>
             <a:r>
-              <a:rPr lang="en-US" dirty="0" smtClean="0"/>
+              <a:rPr lang="en-US" dirty="0"/>
               <a:t>Solar and/or wind power plus storage</a:t>
             </a:r>
           </a:p>
           <a:p>
             <a:pPr lvl="1"/>
             <a:r>
-              <a:rPr lang="en-US" dirty="0" smtClean="0"/>
+              <a:rPr lang="en-US" dirty="0"/>
               <a:t>Generating sites not uniformly distributed geographically</a:t>
             </a:r>
           </a:p>
           <a:p>
             <a:pPr lvl="1"/>
             <a:r>
-              <a:rPr lang="en-US" dirty="0" smtClean="0"/>
+              <a:rPr lang="en-US" dirty="0"/>
               <a:t>Need to develop large scale inexpensive energy storage technology</a:t>
             </a:r>
           </a:p>
           <a:p>
             <a:r>
-              <a:rPr lang="en-US" dirty="0" smtClean="0"/>
+              <a:rPr lang="en-US" dirty="0"/>
               <a:t>Nuclear power (fission)</a:t>
             </a:r>
           </a:p>
           <a:p>
             <a:pPr lvl="1"/>
             <a:r>
-              <a:rPr lang="en-US" dirty="0" smtClean="0"/>
+              <a:rPr lang="en-US" dirty="0"/>
               <a:t>Safety concerns relating to long term radioactive waste</a:t>
             </a:r>
           </a:p>
           <a:p>
             <a:pPr lvl="1"/>
             <a:r>
-              <a:rPr lang="en-US" dirty="0" smtClean="0"/>
+              <a:rPr lang="en-US" dirty="0"/>
               <a:t>Risk of catastrophic failure of the nuclear facility</a:t>
             </a:r>
           </a:p>
           <a:p>
             <a:pPr lvl="1"/>
             <a:r>
-              <a:rPr lang="en-US" dirty="0" smtClean="0"/>
+              <a:rPr lang="en-US" dirty="0"/>
               <a:t>Weapons potential of the fuel</a:t>
             </a:r>
           </a:p>
@@ -4443,10 +4413,9 @@
           <a:lstStyle/>
           <a:p>
             <a:r>
-              <a:rPr lang="en-US" dirty="0" smtClean="0"/>
+              <a:rPr lang="en-US" dirty="0"/>
               <a:t>The Need for U.S. Fusion Research</a:t>
             </a:r>
-            <a:endParaRPr lang="en-US" dirty="0"/>
           </a:p>
         </p:txBody>
       </p:sp>
@@ -4468,56 +4437,47 @@
           <a:lstStyle/>
           <a:p>
             <a:r>
-              <a:rPr lang="en-US" dirty="0" smtClean="0"/>
+              <a:rPr lang="en-US" dirty="0"/>
               <a:t>Fusion must be included in the R&amp;D portfolio for global energy</a:t>
             </a:r>
           </a:p>
           <a:p>
             <a:pPr lvl="1"/>
             <a:r>
-              <a:rPr lang="en-US" dirty="0" smtClean="0"/>
+              <a:rPr lang="en-US" dirty="0"/>
               <a:t>Truly has potential for scale and cost with minimal environmental impact</a:t>
             </a:r>
           </a:p>
           <a:p>
             <a:r>
               <a:rPr lang="en-US" dirty="0"/>
-              <a:t>C</a:t>
-            </a:r>
-            <a:r>
-              <a:rPr lang="en-US" dirty="0" smtClean="0"/>
-              <a:t>ollateral benefits of training and engaging large number of scientists and engineers</a:t>
-            </a:r>
-          </a:p>
-          <a:p>
-            <a:r>
-              <a:rPr lang="en-US" dirty="0"/>
-              <a:t>C</a:t>
-            </a:r>
-            <a:r>
-              <a:rPr lang="en-US" dirty="0" smtClean="0"/>
-              <a:t>ollateral technology benefits: material sciences, hardware and software engineering, fluid dynamics,…., like the space program</a:t>
-            </a:r>
-          </a:p>
-          <a:p>
-            <a:r>
-              <a:rPr lang="en-US" dirty="0" smtClean="0"/>
+              <a:t>Collateral benefits of training and engaging large number of scientists and engineers</a:t>
+            </a:r>
+          </a:p>
+          <a:p>
+            <a:r>
+              <a:rPr lang="en-US" dirty="0"/>
+              <a:t>Collateral technology benefits: material sciences, hardware and software engineering, fluid dynamics…., like the space program</a:t>
+            </a:r>
+          </a:p>
+          <a:p>
+            <a:r>
+              <a:rPr lang="en-US" dirty="0"/>
               <a:t>The major programs today are not in the U.S.</a:t>
             </a:r>
           </a:p>
           <a:p>
             <a:pPr lvl="1"/>
             <a:r>
-              <a:rPr lang="en-US" dirty="0" smtClean="0"/>
+              <a:rPr lang="en-US" dirty="0"/>
               <a:t>ITER (international consortium), other major programs in Europe and Asia</a:t>
             </a:r>
           </a:p>
           <a:p>
             <a:r>
-              <a:rPr lang="en-US" dirty="0" smtClean="0"/>
+              <a:rPr lang="en-US" dirty="0"/>
               <a:t>Without funding, the U.S. will fall behind forever</a:t>
             </a:r>
-            <a:endParaRPr lang="en-US" dirty="0"/>
           </a:p>
         </p:txBody>
       </p:sp>
@@ -4588,10 +4548,9 @@
           <a:lstStyle/>
           <a:p>
             <a:r>
-              <a:rPr lang="en-US" dirty="0" smtClean="0"/>
+              <a:rPr lang="en-US" dirty="0"/>
               <a:t>Support for U.S. Fusion Research</a:t>
             </a:r>
-            <a:endParaRPr lang="en-US" dirty="0"/>
           </a:p>
         </p:txBody>
       </p:sp>
@@ -4613,96 +4572,96 @@
           <a:lstStyle/>
           <a:p>
             <a:r>
-              <a:rPr lang="en-US" dirty="0" smtClean="0"/>
+              <a:rPr lang="en-US" dirty="0"/>
               <a:t>Government:</a:t>
             </a:r>
           </a:p>
           <a:p>
             <a:pPr lvl="1"/>
             <a:r>
-              <a:rPr lang="en-US" dirty="0" smtClean="0"/>
+              <a:rPr lang="en-US" dirty="0"/>
               <a:t>Should be a credible funding source, but seems to have neither the willingness nor the ability to commit to the magnitude of effort required</a:t>
             </a:r>
           </a:p>
           <a:p>
             <a:pPr lvl="1"/>
             <a:r>
-              <a:rPr lang="en-US" dirty="0" smtClean="0"/>
+              <a:rPr lang="en-US" dirty="0"/>
               <a:t>Sequestration is hurting fusion research</a:t>
             </a:r>
           </a:p>
           <a:p>
             <a:pPr lvl="1"/>
             <a:r>
-              <a:rPr lang="en-US" dirty="0" smtClean="0"/>
+              <a:rPr lang="en-US" dirty="0"/>
               <a:t>Funding shrinking over time, narrow technical focus, over-emphasis on ITER</a:t>
             </a:r>
           </a:p>
           <a:p>
             <a:r>
-              <a:rPr lang="en-US" dirty="0" smtClean="0"/>
+              <a:rPr lang="en-US" dirty="0"/>
               <a:t>Private for-Profit</a:t>
             </a:r>
           </a:p>
           <a:p>
             <a:pPr lvl="1"/>
             <a:r>
-              <a:rPr lang="en-US" dirty="0" smtClean="0"/>
+              <a:rPr lang="en-US" dirty="0"/>
               <a:t>Despite the unattractive size/time/risk/return characteristics, some private investment has taken place</a:t>
             </a:r>
           </a:p>
           <a:p>
             <a:pPr lvl="1"/>
             <a:r>
-              <a:rPr lang="en-US" dirty="0" smtClean="0"/>
+              <a:rPr lang="en-US" dirty="0"/>
               <a:t>Even if successful, private investment structure does not facilitate global solutions</a:t>
             </a:r>
           </a:p>
           <a:p>
             <a:pPr lvl="2"/>
             <a:r>
-              <a:rPr lang="en-US" dirty="0" smtClean="0"/>
+              <a:rPr lang="en-US" dirty="0"/>
               <a:t>R&amp;D not transparent or publicly shared</a:t>
             </a:r>
           </a:p>
           <a:p>
             <a:pPr lvl="2"/>
             <a:r>
-              <a:rPr lang="en-US" dirty="0" smtClean="0"/>
+              <a:rPr lang="en-US" dirty="0"/>
               <a:t>IP is proprietary</a:t>
             </a:r>
           </a:p>
           <a:p>
             <a:pPr lvl="2"/>
             <a:r>
-              <a:rPr lang="en-US" dirty="0" smtClean="0"/>
+              <a:rPr lang="en-US" dirty="0"/>
               <a:t>Not structured to be in the public interest</a:t>
             </a:r>
           </a:p>
           <a:p>
             <a:pPr lvl="1"/>
             <a:r>
-              <a:rPr lang="en-US" dirty="0" smtClean="0"/>
+              <a:rPr lang="en-US" dirty="0"/>
               <a:t>Not likely that funding will be sufficient to get new technologies to the point of commercial power generation</a:t>
             </a:r>
           </a:p>
           <a:p>
             <a:r>
-              <a:rPr lang="en-US" dirty="0" smtClean="0"/>
+              <a:rPr lang="en-US" dirty="0"/>
               <a:t>Private non-Profit</a:t>
             </a:r>
           </a:p>
           <a:p>
             <a:pPr lvl="1"/>
             <a:r>
-              <a:rPr lang="en-US" dirty="0" smtClean="0"/>
+              <a:rPr lang="en-US" dirty="0"/>
               <a:t>Capable of long-term commitment</a:t>
             </a:r>
           </a:p>
           <a:p>
             <a:pPr lvl="1"/>
             <a:r>
-              <a:rPr lang="en-US" dirty="0" smtClean="0"/>
+              <a:rPr lang="en-US" dirty="0"/>
               <a:t>Can be structured for public interest </a:t>
             </a:r>
           </a:p>
@@ -4773,10 +4732,9 @@
           <a:lstStyle/>
           <a:p>
             <a:r>
-              <a:rPr lang="en-US" dirty="0" smtClean="0"/>
+              <a:rPr lang="en-US" dirty="0"/>
               <a:t>Opportunities</a:t>
             </a:r>
-            <a:endParaRPr lang="en-US" dirty="0"/>
           </a:p>
         </p:txBody>
       </p:sp>
@@ -4796,47 +4754,46 @@
           <a:lstStyle/>
           <a:p>
             <a:r>
-              <a:rPr lang="en-US" dirty="0" smtClean="0"/>
+              <a:rPr lang="en-US" dirty="0"/>
               <a:t>Advances in computing and materials have created new technical opportunities which are </a:t>
             </a:r>
             <a:r>
-              <a:rPr lang="en-US" u="sng" dirty="0" smtClean="0"/>
+              <a:rPr lang="en-US" u="sng" dirty="0"/>
               <a:t>NOT currently funded </a:t>
             </a:r>
             <a:r>
-              <a:rPr lang="en-US" dirty="0" smtClean="0"/>
+              <a:rPr lang="en-US" dirty="0"/>
               <a:t>in the U.S.</a:t>
             </a:r>
           </a:p>
           <a:p>
             <a:pPr lvl="1"/>
             <a:r>
-              <a:rPr lang="en-US" dirty="0" smtClean="0"/>
+              <a:rPr lang="en-US" dirty="0"/>
               <a:t>Next generation designs for fusion reactors (</a:t>
             </a:r>
             <a:r>
-              <a:rPr lang="en-US" dirty="0" err="1" smtClean="0"/>
+              <a:rPr lang="en-US" dirty="0" err="1"/>
               <a:t>Stellarator</a:t>
             </a:r>
             <a:r>
-              <a:rPr lang="en-US" dirty="0" smtClean="0"/>
+              <a:rPr lang="en-US" dirty="0"/>
               <a:t>)</a:t>
             </a:r>
           </a:p>
           <a:p>
             <a:pPr lvl="1"/>
             <a:r>
-              <a:rPr lang="en-US" dirty="0" smtClean="0"/>
+              <a:rPr lang="en-US" dirty="0"/>
               <a:t>“Compact” fusion reactor designs based on new magnetic materials</a:t>
             </a:r>
           </a:p>
           <a:p>
             <a:pPr lvl="1"/>
             <a:r>
-              <a:rPr lang="en-US" dirty="0" smtClean="0"/>
+              <a:rPr lang="en-US" dirty="0"/>
               <a:t>New materials for the walls of the fusion reactor</a:t>
             </a:r>
-            <a:endParaRPr lang="en-US" dirty="0"/>
           </a:p>
         </p:txBody>
       </p:sp>
@@ -4867,7 +4824,7 @@
     </p:spTree>
     <p:extLst>
       <p:ext uri="{BB962C8B-B14F-4D97-AF65-F5344CB8AC3E}">
-        <p14:creationId xmlns="" xmlns:p14="http://schemas.microsoft.com/office/powerpoint/2010/main" val="2385923792"/>
+        <p14:creationId xmlns:p14="http://schemas.microsoft.com/office/powerpoint/2010/main" val="2385923792"/>
       </p:ext>
     </p:extLst>
   </p:cSld>
@@ -4910,10 +4867,9 @@
           <a:lstStyle/>
           <a:p>
             <a:r>
-              <a:rPr lang="en-US" dirty="0" smtClean="0"/>
+              <a:rPr lang="en-US" dirty="0"/>
               <a:t>Summary</a:t>
             </a:r>
-            <a:endParaRPr lang="en-US" dirty="0"/>
           </a:p>
         </p:txBody>
       </p:sp>
@@ -4935,20 +4891,20 @@
           <a:lstStyle/>
           <a:p>
             <a:r>
-              <a:rPr lang="en-US" dirty="0" smtClean="0"/>
+              <a:rPr lang="en-US" dirty="0"/>
               <a:t>Fusion research must be included in any global energy R&amp;D portfolio</a:t>
             </a:r>
           </a:p>
           <a:p>
             <a:r>
-              <a:rPr lang="en-US" dirty="0" smtClean="0"/>
+              <a:rPr lang="en-US" dirty="0"/>
               <a:t>Private non-profit support may be the optimal source of support</a:t>
             </a:r>
           </a:p>
           <a:p>
             <a:r>
-              <a:rPr lang="en-US" dirty="0" smtClean="0"/>
-              <a:t>In the U.S., lack of support could lead to a loss of global technology leadership</a:t>
+              <a:rPr lang="en-US" dirty="0"/>
+              <a:t>In the U.S., lack of support could lead to a loss of global technology leadership.</a:t>
             </a:r>
           </a:p>
         </p:txBody>
